--- a/presentation.pptx
+++ b/presentation.pptx
@@ -10,8 +10,9 @@
     <p:sldId id="258" r:id="rId4"/>
     <p:sldId id="259" r:id="rId5"/>
     <p:sldId id="260" r:id="rId6"/>
-    <p:sldId id="261" r:id="rId7"/>
-    <p:sldId id="262" r:id="rId8"/>
+    <p:sldId id="263" r:id="rId7"/>
+    <p:sldId id="261" r:id="rId8"/>
+    <p:sldId id="262" r:id="rId9"/>
   </p:sldIdLst>
   <p:sldSz cx="12192000" cy="6858000"/>
   <p:notesSz cx="6858000" cy="9144000"/>
@@ -110,6 +111,11 @@
       </a:defRPr>
     </a:lvl9pPr>
   </p:defaultTextStyle>
+  <p:extLst>
+    <p:ext uri="{EFAFB233-063F-42B5-8137-9DF3F51BA10A}">
+      <p15:sldGuideLst xmlns:p15="http://schemas.microsoft.com/office/powerpoint/2012/main"/>
+    </p:ext>
+  </p:extLst>
 </p:presentation>
 </file>
 
@@ -260,7 +266,7 @@
           <a:p>
             <a:fld id="{87F08D7D-BDC6-4048-AA82-882E8E807EF4}" type="datetimeFigureOut">
               <a:rPr lang="ru-RU" smtClean="0"/>
-              <a:t>27.12.2024</a:t>
+              <a:t>28.12.2024</a:t>
             </a:fld>
             <a:endParaRPr lang="ru-RU"/>
           </a:p>
@@ -458,7 +464,7 @@
           <a:p>
             <a:fld id="{87F08D7D-BDC6-4048-AA82-882E8E807EF4}" type="datetimeFigureOut">
               <a:rPr lang="ru-RU" smtClean="0"/>
-              <a:t>27.12.2024</a:t>
+              <a:t>28.12.2024</a:t>
             </a:fld>
             <a:endParaRPr lang="ru-RU"/>
           </a:p>
@@ -666,7 +672,7 @@
           <a:p>
             <a:fld id="{87F08D7D-BDC6-4048-AA82-882E8E807EF4}" type="datetimeFigureOut">
               <a:rPr lang="ru-RU" smtClean="0"/>
-              <a:t>27.12.2024</a:t>
+              <a:t>28.12.2024</a:t>
             </a:fld>
             <a:endParaRPr lang="ru-RU"/>
           </a:p>
@@ -864,7 +870,7 @@
           <a:p>
             <a:fld id="{87F08D7D-BDC6-4048-AA82-882E8E807EF4}" type="datetimeFigureOut">
               <a:rPr lang="ru-RU" smtClean="0"/>
-              <a:t>27.12.2024</a:t>
+              <a:t>28.12.2024</a:t>
             </a:fld>
             <a:endParaRPr lang="ru-RU"/>
           </a:p>
@@ -1139,7 +1145,7 @@
           <a:p>
             <a:fld id="{87F08D7D-BDC6-4048-AA82-882E8E807EF4}" type="datetimeFigureOut">
               <a:rPr lang="ru-RU" smtClean="0"/>
-              <a:t>27.12.2024</a:t>
+              <a:t>28.12.2024</a:t>
             </a:fld>
             <a:endParaRPr lang="ru-RU"/>
           </a:p>
@@ -1404,7 +1410,7 @@
           <a:p>
             <a:fld id="{87F08D7D-BDC6-4048-AA82-882E8E807EF4}" type="datetimeFigureOut">
               <a:rPr lang="ru-RU" smtClean="0"/>
-              <a:t>27.12.2024</a:t>
+              <a:t>28.12.2024</a:t>
             </a:fld>
             <a:endParaRPr lang="ru-RU"/>
           </a:p>
@@ -1816,7 +1822,7 @@
           <a:p>
             <a:fld id="{87F08D7D-BDC6-4048-AA82-882E8E807EF4}" type="datetimeFigureOut">
               <a:rPr lang="ru-RU" smtClean="0"/>
-              <a:t>27.12.2024</a:t>
+              <a:t>28.12.2024</a:t>
             </a:fld>
             <a:endParaRPr lang="ru-RU"/>
           </a:p>
@@ -1957,7 +1963,7 @@
           <a:p>
             <a:fld id="{87F08D7D-BDC6-4048-AA82-882E8E807EF4}" type="datetimeFigureOut">
               <a:rPr lang="ru-RU" smtClean="0"/>
-              <a:t>27.12.2024</a:t>
+              <a:t>28.12.2024</a:t>
             </a:fld>
             <a:endParaRPr lang="ru-RU"/>
           </a:p>
@@ -2070,7 +2076,7 @@
           <a:p>
             <a:fld id="{87F08D7D-BDC6-4048-AA82-882E8E807EF4}" type="datetimeFigureOut">
               <a:rPr lang="ru-RU" smtClean="0"/>
-              <a:t>27.12.2024</a:t>
+              <a:t>28.12.2024</a:t>
             </a:fld>
             <a:endParaRPr lang="ru-RU"/>
           </a:p>
@@ -2381,7 +2387,7 @@
           <a:p>
             <a:fld id="{87F08D7D-BDC6-4048-AA82-882E8E807EF4}" type="datetimeFigureOut">
               <a:rPr lang="ru-RU" smtClean="0"/>
-              <a:t>27.12.2024</a:t>
+              <a:t>28.12.2024</a:t>
             </a:fld>
             <a:endParaRPr lang="ru-RU"/>
           </a:p>
@@ -2669,7 +2675,7 @@
           <a:p>
             <a:fld id="{87F08D7D-BDC6-4048-AA82-882E8E807EF4}" type="datetimeFigureOut">
               <a:rPr lang="ru-RU" smtClean="0"/>
-              <a:t>27.12.2024</a:t>
+              <a:t>28.12.2024</a:t>
             </a:fld>
             <a:endParaRPr lang="ru-RU"/>
           </a:p>
@@ -2910,7 +2916,7 @@
           <a:p>
             <a:fld id="{87F08D7D-BDC6-4048-AA82-882E8E807EF4}" type="datetimeFigureOut">
               <a:rPr lang="ru-RU" smtClean="0"/>
-              <a:t>27.12.2024</a:t>
+              <a:t>28.12.2024</a:t>
             </a:fld>
             <a:endParaRPr lang="ru-RU"/>
           </a:p>
@@ -4041,7 +4047,15 @@
             </a:pPr>
             <a:r>
               <a:rPr lang="ru-RU" sz="1600" dirty="0"/>
-              <a:t>Создать гибрид игр «Угадай мелодию» и «Кто хочет стать миллионером», для двух игроков, в котором реализовано: ­</a:t>
+              <a:t>Создать гибрид игр «Угадай мелодию» и «Кто хочет стать миллионером», для двух игроков, в котором реализован</a:t>
+            </a:r>
+            <a:r>
+              <a:rPr lang="en-US" sz="1600" dirty="0"/>
+              <a:t> </a:t>
+            </a:r>
+            <a:r>
+              <a:rPr lang="ru-RU" sz="1600" dirty="0"/>
+              <a:t>функционал: ­</a:t>
             </a:r>
           </a:p>
           <a:p>
@@ -4374,7 +4388,7 @@
             </a:r>
             <a:r>
               <a:rPr lang="ru-RU" sz="1600" dirty="0"/>
-              <a:t> продолжительность прослушивания выбирается случайным образом с вероятность 50 на 50 из заполненных выше значений</a:t>
+              <a:t> продолжительность прослушивания которой выбирается случайным образом с вероятность 50 на 50 из заполненных выше значений</a:t>
             </a:r>
           </a:p>
           <a:p>
@@ -4644,10 +4658,10 @@
       </p:sp>
       <p:pic>
         <p:nvPicPr>
-          <p:cNvPr id="8" name="Рисунок 7">
-            <a:extLst>
-              <a:ext uri="{FF2B5EF4-FFF2-40B4-BE49-F238E27FC236}">
-                <a16:creationId xmlns:a16="http://schemas.microsoft.com/office/drawing/2014/main" id="{B84BC9DD-F276-1B29-306B-CFBFB9F527ED}"/>
+          <p:cNvPr id="3" name="Рисунок 2">
+            <a:extLst>
+              <a:ext uri="{FF2B5EF4-FFF2-40B4-BE49-F238E27FC236}">
+                <a16:creationId xmlns:a16="http://schemas.microsoft.com/office/drawing/2014/main" id="{5A9C4315-2B2D-5E6B-8577-AF265B1155F2}"/>
               </a:ext>
             </a:extLst>
           </p:cNvPr>
@@ -4657,15 +4671,21 @@
           <p:nvPr/>
         </p:nvPicPr>
         <p:blipFill>
-          <a:blip r:embed="rId2"/>
+          <a:blip r:embed="rId2">
+            <a:extLst>
+              <a:ext uri="{28A0092B-C50C-407E-A947-70E740481C1C}">
+                <a14:useLocalDpi xmlns:a14="http://schemas.microsoft.com/office/drawing/2010/main" val="0"/>
+              </a:ext>
+            </a:extLst>
+          </a:blip>
           <a:stretch>
             <a:fillRect/>
           </a:stretch>
         </p:blipFill>
         <p:spPr>
           <a:xfrm>
-            <a:off x="2437848" y="1321842"/>
-            <a:ext cx="7316301" cy="4751459"/>
+            <a:off x="2561920" y="1533431"/>
+            <a:ext cx="7068158" cy="4539769"/>
           </a:xfrm>
           <a:prstGeom prst="rect">
             <a:avLst/>
@@ -4691,6 +4711,342 @@
 </file>
 
 <file path=ppt/slides/slide6.xml><?xml version="1.0" encoding="utf-8"?>
+<p:sld xmlns:a="http://schemas.openxmlformats.org/drawingml/2006/main" xmlns:r="http://schemas.openxmlformats.org/officeDocument/2006/relationships" xmlns:p="http://schemas.openxmlformats.org/presentationml/2006/main">
+  <p:cSld>
+    <p:spTree>
+      <p:nvGrpSpPr>
+        <p:cNvPr id="1" name="">
+          <a:extLst>
+            <a:ext uri="{FF2B5EF4-FFF2-40B4-BE49-F238E27FC236}">
+              <a16:creationId xmlns:a16="http://schemas.microsoft.com/office/drawing/2014/main" id="{7259C6EB-CA55-03ED-6542-EA7B9C7644B7}"/>
+            </a:ext>
+          </a:extLst>
+        </p:cNvPr>
+        <p:cNvGrpSpPr/>
+        <p:nvPr/>
+      </p:nvGrpSpPr>
+      <p:grpSpPr>
+        <a:xfrm>
+          <a:off x="0" y="0"/>
+          <a:ext cx="0" cy="0"/>
+          <a:chOff x="0" y="0"/>
+          <a:chExt cx="0" cy="0"/>
+        </a:xfrm>
+      </p:grpSpPr>
+      <p:sp>
+        <p:nvSpPr>
+          <p:cNvPr id="4" name="Google Shape;950;p27">
+            <a:extLst>
+              <a:ext uri="{FF2B5EF4-FFF2-40B4-BE49-F238E27FC236}">
+                <a16:creationId xmlns:a16="http://schemas.microsoft.com/office/drawing/2014/main" id="{B83DA0D8-020D-E8FA-2D2A-55CBE56FE481}"/>
+              </a:ext>
+            </a:extLst>
+          </p:cNvPr>
+          <p:cNvSpPr txBox="1">
+            <a:spLocks noGrp="1"/>
+          </p:cNvSpPr>
+          <p:nvPr>
+            <p:ph type="title"/>
+          </p:nvPr>
+        </p:nvSpPr>
+        <p:spPr>
+          <a:xfrm>
+            <a:off x="1605140" y="380174"/>
+            <a:ext cx="8981719" cy="572700"/>
+          </a:xfrm>
+          <a:prstGeom prst="rect">
+            <a:avLst/>
+          </a:prstGeom>
+        </p:spPr>
+        <p:txBody>
+          <a:bodyPr spcFirstLastPara="1" wrap="square" lIns="91425" tIns="91425" rIns="91425" bIns="91425" anchor="t" anchorCtr="0">
+            <a:noAutofit/>
+          </a:bodyPr>
+          <a:lstStyle/>
+          <a:p>
+            <a:pPr marL="0" lvl="0" indent="0" algn="ctr" rtl="0">
+              <a:spcBef>
+                <a:spcPts val="0"/>
+              </a:spcBef>
+              <a:spcAft>
+                <a:spcPts val="0"/>
+              </a:spcAft>
+              <a:buNone/>
+            </a:pPr>
+            <a:r>
+              <a:rPr lang="ru-RU" dirty="0"/>
+              <a:t>Демонстрация приложения</a:t>
+            </a:r>
+            <a:endParaRPr dirty="0"/>
+          </a:p>
+        </p:txBody>
+      </p:sp>
+      <p:pic>
+        <p:nvPicPr>
+          <p:cNvPr id="5" name="Рисунок 4">
+            <a:extLst>
+              <a:ext uri="{FF2B5EF4-FFF2-40B4-BE49-F238E27FC236}">
+                <a16:creationId xmlns:a16="http://schemas.microsoft.com/office/drawing/2014/main" id="{A5249DEB-341A-BD72-F8B1-129FBEF0A570}"/>
+              </a:ext>
+            </a:extLst>
+          </p:cNvPr>
+          <p:cNvPicPr>
+            <a:picLocks noChangeAspect="1"/>
+          </p:cNvPicPr>
+          <p:nvPr/>
+        </p:nvPicPr>
+        <p:blipFill>
+          <a:blip r:embed="rId2">
+            <a:extLst>
+              <a:ext uri="{28A0092B-C50C-407E-A947-70E740481C1C}">
+                <a14:useLocalDpi xmlns:a14="http://schemas.microsoft.com/office/drawing/2010/main" val="0"/>
+              </a:ext>
+            </a:extLst>
+          </a:blip>
+          <a:stretch>
+            <a:fillRect/>
+          </a:stretch>
+        </p:blipFill>
+        <p:spPr>
+          <a:xfrm>
+            <a:off x="83354" y="1522226"/>
+            <a:ext cx="1579733" cy="3510517"/>
+          </a:xfrm>
+          <a:prstGeom prst="rect">
+            <a:avLst/>
+          </a:prstGeom>
+        </p:spPr>
+      </p:pic>
+      <p:pic>
+        <p:nvPicPr>
+          <p:cNvPr id="7" name="Рисунок 6">
+            <a:extLst>
+              <a:ext uri="{FF2B5EF4-FFF2-40B4-BE49-F238E27FC236}">
+                <a16:creationId xmlns:a16="http://schemas.microsoft.com/office/drawing/2014/main" id="{43874C48-1AC4-B880-9C4C-F41F8D9095EB}"/>
+              </a:ext>
+            </a:extLst>
+          </p:cNvPr>
+          <p:cNvPicPr>
+            <a:picLocks noChangeAspect="1"/>
+          </p:cNvPicPr>
+          <p:nvPr/>
+        </p:nvPicPr>
+        <p:blipFill>
+          <a:blip r:embed="rId3">
+            <a:extLst>
+              <a:ext uri="{28A0092B-C50C-407E-A947-70E740481C1C}">
+                <a14:useLocalDpi xmlns:a14="http://schemas.microsoft.com/office/drawing/2010/main" val="0"/>
+              </a:ext>
+            </a:extLst>
+          </a:blip>
+          <a:stretch>
+            <a:fillRect/>
+          </a:stretch>
+        </p:blipFill>
+        <p:spPr>
+          <a:xfrm>
+            <a:off x="1814271" y="1508049"/>
+            <a:ext cx="1579733" cy="3510517"/>
+          </a:xfrm>
+          <a:prstGeom prst="rect">
+            <a:avLst/>
+          </a:prstGeom>
+        </p:spPr>
+      </p:pic>
+      <p:pic>
+        <p:nvPicPr>
+          <p:cNvPr id="9" name="Рисунок 8">
+            <a:extLst>
+              <a:ext uri="{FF2B5EF4-FFF2-40B4-BE49-F238E27FC236}">
+                <a16:creationId xmlns:a16="http://schemas.microsoft.com/office/drawing/2014/main" id="{36D035A7-CECD-53C6-69B4-E29EF0A66740}"/>
+              </a:ext>
+            </a:extLst>
+          </p:cNvPr>
+          <p:cNvPicPr>
+            <a:picLocks noChangeAspect="1"/>
+          </p:cNvPicPr>
+          <p:nvPr/>
+        </p:nvPicPr>
+        <p:blipFill>
+          <a:blip r:embed="rId4">
+            <a:extLst>
+              <a:ext uri="{28A0092B-C50C-407E-A947-70E740481C1C}">
+                <a14:useLocalDpi xmlns:a14="http://schemas.microsoft.com/office/drawing/2010/main" val="0"/>
+              </a:ext>
+            </a:extLst>
+          </a:blip>
+          <a:stretch>
+            <a:fillRect/>
+          </a:stretch>
+        </p:blipFill>
+        <p:spPr>
+          <a:xfrm>
+            <a:off x="3545188" y="1493871"/>
+            <a:ext cx="1579734" cy="3510520"/>
+          </a:xfrm>
+          <a:prstGeom prst="rect">
+            <a:avLst/>
+          </a:prstGeom>
+        </p:spPr>
+      </p:pic>
+      <p:pic>
+        <p:nvPicPr>
+          <p:cNvPr id="17" name="Рисунок 16">
+            <a:extLst>
+              <a:ext uri="{FF2B5EF4-FFF2-40B4-BE49-F238E27FC236}">
+                <a16:creationId xmlns:a16="http://schemas.microsoft.com/office/drawing/2014/main" id="{FD76915A-F6B6-7764-7328-5711DA87096C}"/>
+              </a:ext>
+            </a:extLst>
+          </p:cNvPr>
+          <p:cNvPicPr>
+            <a:picLocks noChangeAspect="1"/>
+          </p:cNvPicPr>
+          <p:nvPr/>
+        </p:nvPicPr>
+        <p:blipFill>
+          <a:blip r:embed="rId5">
+            <a:extLst>
+              <a:ext uri="{28A0092B-C50C-407E-A947-70E740481C1C}">
+                <a14:useLocalDpi xmlns:a14="http://schemas.microsoft.com/office/drawing/2010/main" val="0"/>
+              </a:ext>
+            </a:extLst>
+          </a:blip>
+          <a:stretch>
+            <a:fillRect/>
+          </a:stretch>
+        </p:blipFill>
+        <p:spPr>
+          <a:xfrm>
+            <a:off x="10443339" y="1493871"/>
+            <a:ext cx="1566974" cy="3482165"/>
+          </a:xfrm>
+          <a:prstGeom prst="rect">
+            <a:avLst/>
+          </a:prstGeom>
+        </p:spPr>
+      </p:pic>
+      <p:pic>
+        <p:nvPicPr>
+          <p:cNvPr id="18" name="Рисунок 17">
+            <a:extLst>
+              <a:ext uri="{FF2B5EF4-FFF2-40B4-BE49-F238E27FC236}">
+                <a16:creationId xmlns:a16="http://schemas.microsoft.com/office/drawing/2014/main" id="{71DFA196-F2CD-13D7-B841-40B1FEA8FC46}"/>
+              </a:ext>
+            </a:extLst>
+          </p:cNvPr>
+          <p:cNvPicPr>
+            <a:picLocks noChangeAspect="1"/>
+          </p:cNvPicPr>
+          <p:nvPr/>
+        </p:nvPicPr>
+        <p:blipFill>
+          <a:blip r:embed="rId6">
+            <a:extLst>
+              <a:ext uri="{28A0092B-C50C-407E-A947-70E740481C1C}">
+                <a14:useLocalDpi xmlns:a14="http://schemas.microsoft.com/office/drawing/2010/main" val="0"/>
+              </a:ext>
+            </a:extLst>
+          </a:blip>
+          <a:stretch>
+            <a:fillRect/>
+          </a:stretch>
+        </p:blipFill>
+        <p:spPr>
+          <a:xfrm>
+            <a:off x="5276106" y="1522226"/>
+            <a:ext cx="1579732" cy="3510517"/>
+          </a:xfrm>
+          <a:prstGeom prst="rect">
+            <a:avLst/>
+          </a:prstGeom>
+        </p:spPr>
+      </p:pic>
+      <p:pic>
+        <p:nvPicPr>
+          <p:cNvPr id="19" name="Рисунок 18">
+            <a:extLst>
+              <a:ext uri="{FF2B5EF4-FFF2-40B4-BE49-F238E27FC236}">
+                <a16:creationId xmlns:a16="http://schemas.microsoft.com/office/drawing/2014/main" id="{FAE5C096-4F94-E068-3836-90DB6DB64F4D}"/>
+              </a:ext>
+            </a:extLst>
+          </p:cNvPr>
+          <p:cNvPicPr>
+            <a:picLocks noChangeAspect="1"/>
+          </p:cNvPicPr>
+          <p:nvPr/>
+        </p:nvPicPr>
+        <p:blipFill>
+          <a:blip r:embed="rId7">
+            <a:extLst>
+              <a:ext uri="{28A0092B-C50C-407E-A947-70E740481C1C}">
+                <a14:useLocalDpi xmlns:a14="http://schemas.microsoft.com/office/drawing/2010/main" val="0"/>
+              </a:ext>
+            </a:extLst>
+          </a:blip>
+          <a:stretch>
+            <a:fillRect/>
+          </a:stretch>
+        </p:blipFill>
+        <p:spPr>
+          <a:xfrm>
+            <a:off x="7007022" y="1536401"/>
+            <a:ext cx="1566975" cy="3482166"/>
+          </a:xfrm>
+          <a:prstGeom prst="rect">
+            <a:avLst/>
+          </a:prstGeom>
+        </p:spPr>
+      </p:pic>
+      <p:pic>
+        <p:nvPicPr>
+          <p:cNvPr id="20" name="Рисунок 19">
+            <a:extLst>
+              <a:ext uri="{FF2B5EF4-FFF2-40B4-BE49-F238E27FC236}">
+                <a16:creationId xmlns:a16="http://schemas.microsoft.com/office/drawing/2014/main" id="{5CB210AF-803F-13E0-26DE-D0F2CC5B04CC}"/>
+              </a:ext>
+            </a:extLst>
+          </p:cNvPr>
+          <p:cNvPicPr>
+            <a:picLocks noChangeAspect="1"/>
+          </p:cNvPicPr>
+          <p:nvPr/>
+        </p:nvPicPr>
+        <p:blipFill>
+          <a:blip r:embed="rId8">
+            <a:extLst>
+              <a:ext uri="{28A0092B-C50C-407E-A947-70E740481C1C}">
+                <a14:useLocalDpi xmlns:a14="http://schemas.microsoft.com/office/drawing/2010/main" val="0"/>
+              </a:ext>
+            </a:extLst>
+          </a:blip>
+          <a:stretch>
+            <a:fillRect/>
+          </a:stretch>
+        </p:blipFill>
+        <p:spPr>
+          <a:xfrm>
+            <a:off x="8725181" y="1522225"/>
+            <a:ext cx="1566974" cy="3482165"/>
+          </a:xfrm>
+          <a:prstGeom prst="rect">
+            <a:avLst/>
+          </a:prstGeom>
+        </p:spPr>
+      </p:pic>
+    </p:spTree>
+    <p:extLst>
+      <p:ext uri="{BB962C8B-B14F-4D97-AF65-F5344CB8AC3E}">
+        <p14:creationId xmlns:p14="http://schemas.microsoft.com/office/powerpoint/2010/main" val="4146251038"/>
+      </p:ext>
+    </p:extLst>
+  </p:cSld>
+  <p:clrMapOvr>
+    <a:masterClrMapping/>
+  </p:clrMapOvr>
+</p:sld>
+</file>
+
+<file path=ppt/slides/slide7.xml><?xml version="1.0" encoding="utf-8"?>
 <p:sld xmlns:a="http://schemas.openxmlformats.org/drawingml/2006/main" xmlns:r="http://schemas.openxmlformats.org/officeDocument/2006/relationships" xmlns:p="http://schemas.openxmlformats.org/presentationml/2006/main">
   <p:cSld>
     <p:spTree>
@@ -5002,7 +5358,7 @@
 </p:sld>
 </file>
 
-<file path=ppt/slides/slide7.xml><?xml version="1.0" encoding="utf-8"?>
+<file path=ppt/slides/slide8.xml><?xml version="1.0" encoding="utf-8"?>
 <p:sld xmlns:a="http://schemas.openxmlformats.org/drawingml/2006/main" xmlns:r="http://schemas.openxmlformats.org/officeDocument/2006/relationships" xmlns:p="http://schemas.openxmlformats.org/presentationml/2006/main">
   <p:cSld>
     <p:spTree>
